--- a/note/08/sk5003_w08_growth_model_20230513_v4.pptx
+++ b/note/08/sk5003_w08_growth_model_20230513_v4.pptx
@@ -5,10 +5,10 @@
     <p:sldMasterId id="2147483648" r:id="rId1"/>
   </p:sldMasterIdLst>
   <p:notesMasterIdLst>
-    <p:notesMasterId r:id="rId34"/>
+    <p:notesMasterId r:id="rId40"/>
   </p:notesMasterIdLst>
   <p:handoutMasterIdLst>
-    <p:handoutMasterId r:id="rId35"/>
+    <p:handoutMasterId r:id="rId41"/>
   </p:handoutMasterIdLst>
   <p:sldIdLst>
     <p:sldId id="256" r:id="rId2"/>
@@ -38,11 +38,17 @@
     <p:sldId id="800" r:id="rId26"/>
     <p:sldId id="798" r:id="rId27"/>
     <p:sldId id="801" r:id="rId28"/>
-    <p:sldId id="681" r:id="rId29"/>
-    <p:sldId id="715" r:id="rId30"/>
-    <p:sldId id="682" r:id="rId31"/>
-    <p:sldId id="802" r:id="rId32"/>
-    <p:sldId id="487" r:id="rId33"/>
+    <p:sldId id="804" r:id="rId29"/>
+    <p:sldId id="806" r:id="rId30"/>
+    <p:sldId id="803" r:id="rId31"/>
+    <p:sldId id="805" r:id="rId32"/>
+    <p:sldId id="807" r:id="rId33"/>
+    <p:sldId id="808" r:id="rId34"/>
+    <p:sldId id="681" r:id="rId35"/>
+    <p:sldId id="715" r:id="rId36"/>
+    <p:sldId id="682" r:id="rId37"/>
+    <p:sldId id="802" r:id="rId38"/>
+    <p:sldId id="487" r:id="rId39"/>
   </p:sldIdLst>
   <p:sldSz cx="9144000" cy="5143500" type="screen16x9"/>
   <p:notesSz cx="7315200" cy="12344400"/>
@@ -173,7 +179,7 @@
   </p:defaultTextStyle>
   <p:extLst>
     <p:ext uri="{EFAFB233-063F-42B5-8137-9DF3F51BA10A}">
-      <p15:sldGuideLst xmlns:p15="http://schemas.microsoft.com/office/powerpoint/2012/main" xmlns="">
+      <p15:sldGuideLst xmlns="" xmlns:p15="http://schemas.microsoft.com/office/powerpoint/2012/main">
         <p15:guide id="1" orient="horz" pos="1620">
           <p15:clr>
             <a:srgbClr val="A4A3A4"/>
@@ -349,7 +355,7 @@
     </p:spTree>
     <p:extLst>
       <p:ext uri="{BB962C8B-B14F-4D97-AF65-F5344CB8AC3E}">
-        <p14:creationId xmlns:p14="http://schemas.microsoft.com/office/powerpoint/2010/main" xmlns="" val="1"/>
+        <p14:creationId xmlns="" xmlns:p14="http://schemas.microsoft.com/office/powerpoint/2010/main" val="1"/>
       </p:ext>
     </p:extLst>
   </p:cSld>
@@ -916,6 +922,93 @@
                 <a:defRPr/>
               </a:pPr>
               <a:t>13</a:t>
+            </a:fld>
+            <a:endParaRPr lang="en-US"/>
+          </a:p>
+        </p:txBody>
+      </p:sp>
+    </p:spTree>
+  </p:cSld>
+  <p:clrMapOvr>
+    <a:masterClrMapping/>
+  </p:clrMapOvr>
+</p:notes>
+</file>
+
+<file path=ppt/notesSlides/notesSlide3.xml><?xml version="1.0" encoding="utf-8"?>
+<p:notes xmlns:a="http://schemas.openxmlformats.org/drawingml/2006/main" xmlns:r="http://schemas.openxmlformats.org/officeDocument/2006/relationships" xmlns:p="http://schemas.openxmlformats.org/presentationml/2006/main">
+  <p:cSld>
+    <p:spTree>
+      <p:nvGrpSpPr>
+        <p:cNvPr id="1" name=""/>
+        <p:cNvGrpSpPr/>
+        <p:nvPr/>
+      </p:nvGrpSpPr>
+      <p:grpSpPr>
+        <a:xfrm>
+          <a:off x="0" y="0"/>
+          <a:ext cx="0" cy="0"/>
+          <a:chOff x="0" y="0"/>
+          <a:chExt cx="0" cy="0"/>
+        </a:xfrm>
+      </p:grpSpPr>
+      <p:sp>
+        <p:nvSpPr>
+          <p:cNvPr id="2" name="Slide Image Placeholder 1"/>
+          <p:cNvSpPr>
+            <a:spLocks noGrp="1" noRot="1" noChangeAspect="1"/>
+          </p:cNvSpPr>
+          <p:nvPr>
+            <p:ph type="sldImg"/>
+          </p:nvPr>
+        </p:nvSpPr>
+        <p:spPr/>
+      </p:sp>
+      <p:sp>
+        <p:nvSpPr>
+          <p:cNvPr id="3" name="Notes Placeholder 2"/>
+          <p:cNvSpPr>
+            <a:spLocks noGrp="1"/>
+          </p:cNvSpPr>
+          <p:nvPr>
+            <p:ph type="body" idx="1"/>
+          </p:nvPr>
+        </p:nvSpPr>
+        <p:spPr/>
+        <p:txBody>
+          <a:bodyPr>
+            <a:normAutofit/>
+          </a:bodyPr>
+          <a:lstStyle/>
+          <a:p>
+            <a:endParaRPr lang="en-US"/>
+          </a:p>
+        </p:txBody>
+      </p:sp>
+      <p:sp>
+        <p:nvSpPr>
+          <p:cNvPr id="4" name="Slide Number Placeholder 3"/>
+          <p:cNvSpPr>
+            <a:spLocks noGrp="1"/>
+          </p:cNvSpPr>
+          <p:nvPr>
+            <p:ph type="sldNum" sz="quarter" idx="10"/>
+          </p:nvPr>
+        </p:nvSpPr>
+        <p:spPr/>
+        <p:txBody>
+          <a:bodyPr/>
+          <a:lstStyle/>
+          <a:p>
+            <a:pPr>
+              <a:defRPr/>
+            </a:pPr>
+            <a:fld id="{09AF5637-508C-4270-9C07-7A6F74887777}" type="slidenum">
+              <a:rPr lang="en-US" smtClean="0"/>
+              <a:pPr>
+                <a:defRPr/>
+              </a:pPr>
+              <a:t>32</a:t>
             </a:fld>
             <a:endParaRPr lang="en-US"/>
           </a:p>
@@ -5689,7 +5782,11 @@
             </a:r>
             <a:r>
               <a:rPr lang="en-US" sz="1200" smtClean="0"/>
-              <a:t> [20230512]</a:t>
+              <a:t> [20230512</a:t>
+            </a:r>
+            <a:r>
+              <a:rPr lang="en-US" sz="1200" smtClean="0"/>
+              <a:t>].</a:t>
             </a:r>
             <a:endParaRPr lang="en-US" sz="1200"/>
           </a:p>
@@ -7752,7 +7849,11 @@
             </a:r>
             <a:r>
               <a:rPr lang="en-US" sz="1200" smtClean="0"/>
-              <a:t> [20230512]</a:t>
+              <a:t> [20230512</a:t>
+            </a:r>
+            <a:r>
+              <a:rPr lang="en-US" sz="1200" smtClean="0"/>
+              <a:t>].</a:t>
             </a:r>
             <a:endParaRPr lang="en-US" sz="1200"/>
           </a:p>
@@ -8732,14 +8833,20 @@
               <a:buNone/>
             </a:pPr>
             <a:r>
-              <a:rPr lang="en-US" sz="2800" b="1">
+              <a:rPr lang="en-US" sz="2800" b="1" smtClean="0">
                 <a:solidFill>
                   <a:schemeClr val="bg1"/>
                 </a:solidFill>
                 <a:latin typeface="Calibri" pitchFamily="34" charset="0"/>
               </a:rPr>
-              <a:t>Diskusi dan latihan</a:t>
-            </a:r>
+              <a:t>Pengertian lain model</a:t>
+            </a:r>
+            <a:endParaRPr lang="en-US" sz="2800" b="1">
+              <a:solidFill>
+                <a:schemeClr val="bg1"/>
+              </a:solidFill>
+              <a:latin typeface="Calibri" pitchFamily="34" charset="0"/>
+            </a:endParaRPr>
           </a:p>
         </p:txBody>
       </p:sp>
@@ -8777,6 +8884,1639 @@
       </p:grpSpPr>
       <p:sp>
         <p:nvSpPr>
+          <p:cNvPr id="2" name="Title 1"/>
+          <p:cNvSpPr>
+            <a:spLocks noGrp="1"/>
+          </p:cNvSpPr>
+          <p:nvPr>
+            <p:ph type="title"/>
+          </p:nvPr>
+        </p:nvSpPr>
+        <p:spPr/>
+        <p:txBody>
+          <a:bodyPr/>
+          <a:lstStyle/>
+          <a:p>
+            <a:r>
+              <a:rPr lang="en-US" smtClean="0"/>
+              <a:t>Kutipan</a:t>
+            </a:r>
+            <a:endParaRPr lang="en-US"/>
+          </a:p>
+        </p:txBody>
+      </p:sp>
+      <p:sp>
+        <p:nvSpPr>
+          <p:cNvPr id="3" name="Content Placeholder 2"/>
+          <p:cNvSpPr>
+            <a:spLocks noGrp="1"/>
+          </p:cNvSpPr>
+          <p:nvPr>
+            <p:ph idx="1"/>
+          </p:nvPr>
+        </p:nvSpPr>
+        <p:spPr/>
+        <p:txBody>
+          <a:bodyPr/>
+          <a:lstStyle/>
+          <a:p>
+            <a:r>
+              <a:rPr lang="en-US" smtClean="0"/>
+              <a:t>“All models are wrong but some are </a:t>
+            </a:r>
+            <a:r>
+              <a:rPr lang="en-US" smtClean="0"/>
+              <a:t>useful</a:t>
+            </a:r>
+            <a:r>
+              <a:rPr lang="en-US" smtClean="0"/>
+              <a:t>.” (</a:t>
+            </a:r>
+            <a:r>
+              <a:rPr lang="en-US" smtClean="0"/>
+              <a:t>George </a:t>
+            </a:r>
+            <a:r>
+              <a:rPr lang="en-US" smtClean="0"/>
+              <a:t>Box, 1976) dalam suatu makalah yang diterbitkan oleh Journal of the American </a:t>
+            </a:r>
+            <a:r>
+              <a:rPr lang="en-US" smtClean="0"/>
+              <a:t>Statistical </a:t>
+            </a:r>
+            <a:r>
+              <a:rPr lang="en-US" smtClean="0"/>
+              <a:t>Association.</a:t>
+            </a:r>
+            <a:endParaRPr lang="en-US"/>
+          </a:p>
+        </p:txBody>
+      </p:sp>
+      <p:sp>
+        <p:nvSpPr>
+          <p:cNvPr id="4" name="Date Placeholder 3"/>
+          <p:cNvSpPr>
+            <a:spLocks noGrp="1"/>
+          </p:cNvSpPr>
+          <p:nvPr>
+            <p:ph type="dt" sz="half" idx="10"/>
+          </p:nvPr>
+        </p:nvSpPr>
+        <p:spPr/>
+        <p:txBody>
+          <a:bodyPr/>
+          <a:lstStyle/>
+          <a:p>
+            <a:pPr>
+              <a:defRPr/>
+            </a:pPr>
+            <a:r>
+              <a:rPr lang="en-US" smtClean="0"/>
+              <a:t>SK5003 Pemrograman dalam Sains</a:t>
+            </a:r>
+            <a:endParaRPr lang="en-US"/>
+          </a:p>
+        </p:txBody>
+      </p:sp>
+      <p:sp>
+        <p:nvSpPr>
+          <p:cNvPr id="5" name="Footer Placeholder 4"/>
+          <p:cNvSpPr>
+            <a:spLocks noGrp="1"/>
+          </p:cNvSpPr>
+          <p:nvPr>
+            <p:ph type="ftr" sz="quarter" idx="11"/>
+          </p:nvPr>
+        </p:nvSpPr>
+        <p:spPr/>
+        <p:txBody>
+          <a:bodyPr/>
+          <a:lstStyle/>
+          <a:p>
+            <a:pPr>
+              <a:defRPr/>
+            </a:pPr>
+            <a:r>
+              <a:rPr lang="en-US" smtClean="0"/>
+              <a:t>2023-05-13 | 40132 | +62</a:t>
+            </a:r>
+            <a:endParaRPr lang="en-US"/>
+          </a:p>
+        </p:txBody>
+      </p:sp>
+      <p:sp>
+        <p:nvSpPr>
+          <p:cNvPr id="6" name="Slide Number Placeholder 5"/>
+          <p:cNvSpPr>
+            <a:spLocks noGrp="1"/>
+          </p:cNvSpPr>
+          <p:nvPr>
+            <p:ph type="sldNum" sz="quarter" idx="12"/>
+          </p:nvPr>
+        </p:nvSpPr>
+        <p:spPr/>
+        <p:txBody>
+          <a:bodyPr/>
+          <a:lstStyle/>
+          <a:p>
+            <a:pPr>
+              <a:defRPr/>
+            </a:pPr>
+            <a:fld id="{F076344D-F0A0-4571-8A46-686886838267}" type="slidenum">
+              <a:rPr lang="en-US" smtClean="0"/>
+              <a:pPr>
+                <a:defRPr/>
+              </a:pPr>
+              <a:t>29</a:t>
+            </a:fld>
+            <a:endParaRPr lang="en-US"/>
+          </a:p>
+        </p:txBody>
+      </p:sp>
+      <p:sp>
+        <p:nvSpPr>
+          <p:cNvPr id="7" name="Rectangle 6">
+            <a:hlinkClick r:id="rId2"/>
+          </p:cNvPr>
+          <p:cNvSpPr/>
+          <p:nvPr/>
+        </p:nvSpPr>
+        <p:spPr>
+          <a:xfrm>
+            <a:off x="457200" y="4129203"/>
+            <a:ext cx="8229600" cy="461665"/>
+          </a:xfrm>
+          <a:prstGeom prst="rect">
+            <a:avLst/>
+          </a:prstGeom>
+        </p:spPr>
+        <p:txBody>
+          <a:bodyPr wrap="square">
+            <a:spAutoFit/>
+          </a:bodyPr>
+          <a:lstStyle/>
+          <a:p>
+            <a:r>
+              <a:rPr lang="en-US" sz="1200" smtClean="0"/>
+              <a:t>George E. P. Box, “Science and Statistics”, Journal of the American Statistical Association, Vol. 71, No. 356. (Dec., 1976), pp. 791-799, </a:t>
+            </a:r>
+            <a:r>
+              <a:rPr lang="en-US" sz="1200" smtClean="0"/>
+              <a:t>url </a:t>
+            </a:r>
+            <a:r>
+              <a:rPr lang="en-US" sz="1200" smtClean="0">
+                <a:solidFill>
+                  <a:srgbClr val="0070C0"/>
+                </a:solidFill>
+              </a:rPr>
+              <a:t>https</a:t>
+            </a:r>
+            <a:r>
+              <a:rPr lang="en-US" sz="1200" smtClean="0">
+                <a:solidFill>
+                  <a:srgbClr val="0070C0"/>
+                </a:solidFill>
+              </a:rPr>
+              <a:t>://</a:t>
+            </a:r>
+            <a:r>
+              <a:rPr lang="en-US" sz="1200" smtClean="0">
+                <a:solidFill>
+                  <a:srgbClr val="0070C0"/>
+                </a:solidFill>
+              </a:rPr>
+              <a:t>doi.org/10.1080/01621459.1976.10480949</a:t>
+            </a:r>
+            <a:r>
+              <a:rPr lang="en-US" sz="1200" smtClean="0"/>
+              <a:t>.</a:t>
+            </a:r>
+            <a:endParaRPr lang="en-US" sz="1200"/>
+          </a:p>
+        </p:txBody>
+      </p:sp>
+    </p:spTree>
+  </p:cSld>
+  <p:clrMapOvr>
+    <a:masterClrMapping/>
+  </p:clrMapOvr>
+</p:sld>
+</file>
+
+<file path=ppt/slides/slide3.xml><?xml version="1.0" encoding="utf-8"?>
+<p:sld xmlns:a="http://schemas.openxmlformats.org/drawingml/2006/main" xmlns:r="http://schemas.openxmlformats.org/officeDocument/2006/relationships" xmlns:p="http://schemas.openxmlformats.org/presentationml/2006/main">
+  <p:cSld>
+    <p:spTree>
+      <p:nvGrpSpPr>
+        <p:cNvPr id="1" name=""/>
+        <p:cNvGrpSpPr/>
+        <p:nvPr/>
+      </p:nvGrpSpPr>
+      <p:grpSpPr>
+        <a:xfrm>
+          <a:off x="0" y="0"/>
+          <a:ext cx="0" cy="0"/>
+          <a:chOff x="0" y="0"/>
+          <a:chExt cx="0" cy="0"/>
+        </a:xfrm>
+      </p:grpSpPr>
+      <p:sp>
+        <p:nvSpPr>
+          <p:cNvPr id="8" name="Title 7"/>
+          <p:cNvSpPr>
+            <a:spLocks noGrp="1"/>
+          </p:cNvSpPr>
+          <p:nvPr>
+            <p:ph type="title"/>
+          </p:nvPr>
+        </p:nvSpPr>
+        <p:spPr/>
+        <p:txBody>
+          <a:bodyPr/>
+          <a:lstStyle/>
+          <a:p>
+            <a:r>
+              <a:rPr lang="en-US"/>
+              <a:t>Kerangka</a:t>
+            </a:r>
+          </a:p>
+        </p:txBody>
+      </p:sp>
+      <p:sp>
+        <p:nvSpPr>
+          <p:cNvPr id="9" name="Content Placeholder 8"/>
+          <p:cNvSpPr>
+            <a:spLocks noGrp="1"/>
+          </p:cNvSpPr>
+          <p:nvPr>
+            <p:ph sz="half" idx="1"/>
+          </p:nvPr>
+        </p:nvSpPr>
+        <p:spPr/>
+        <p:txBody>
+          <a:bodyPr/>
+          <a:lstStyle/>
+          <a:p>
+            <a:pPr>
+              <a:tabLst>
+                <a:tab pos="3657600" algn="r"/>
+              </a:tabLst>
+            </a:pPr>
+            <a:r>
+              <a:rPr lang="en-US"/>
+              <a:t>SAP dan referensi	</a:t>
+            </a:r>
+            <a:r>
+              <a:rPr lang="en-US" smtClean="0"/>
+              <a:t>4</a:t>
+            </a:r>
+          </a:p>
+          <a:p>
+            <a:pPr>
+              <a:tabLst>
+                <a:tab pos="3657600" algn="r"/>
+              </a:tabLst>
+            </a:pPr>
+            <a:r>
+              <a:rPr lang="en-US" smtClean="0"/>
+              <a:t>Model	9</a:t>
+            </a:r>
+          </a:p>
+          <a:p>
+            <a:pPr>
+              <a:tabLst>
+                <a:tab pos="3657600" algn="r"/>
+              </a:tabLst>
+            </a:pPr>
+            <a:r>
+              <a:rPr lang="en-US" smtClean="0"/>
+              <a:t>Contoh: Modulus tarik	23</a:t>
+            </a:r>
+          </a:p>
+          <a:p>
+            <a:pPr>
+              <a:tabLst>
+                <a:tab pos="3657600" algn="r"/>
+              </a:tabLst>
+            </a:pPr>
+            <a:r>
+              <a:rPr lang="en-US" smtClean="0"/>
+              <a:t>Pengertian </a:t>
+            </a:r>
+            <a:r>
+              <a:rPr lang="en-US" smtClean="0"/>
+              <a:t>lain </a:t>
+            </a:r>
+            <a:r>
+              <a:rPr lang="en-US" smtClean="0"/>
+              <a:t>model	28</a:t>
+            </a:r>
+            <a:endParaRPr lang="en-US" smtClean="0"/>
+          </a:p>
+          <a:p>
+            <a:pPr>
+              <a:tabLst>
+                <a:tab pos="3657600" algn="r"/>
+              </a:tabLst>
+            </a:pPr>
+            <a:endParaRPr lang="en-US"/>
+          </a:p>
+        </p:txBody>
+      </p:sp>
+      <p:sp>
+        <p:nvSpPr>
+          <p:cNvPr id="10" name="Content Placeholder 9"/>
+          <p:cNvSpPr>
+            <a:spLocks noGrp="1"/>
+          </p:cNvSpPr>
+          <p:nvPr>
+            <p:ph sz="half" idx="2"/>
+          </p:nvPr>
+        </p:nvSpPr>
+        <p:spPr/>
+        <p:txBody>
+          <a:bodyPr/>
+          <a:lstStyle/>
+          <a:p>
+            <a:pPr>
+              <a:tabLst>
+                <a:tab pos="3657600" algn="r"/>
+              </a:tabLst>
+            </a:pPr>
+            <a:r>
+              <a:rPr lang="en-US" smtClean="0"/>
+              <a:t>Diskusi dan latihan	–4  </a:t>
+            </a:r>
+          </a:p>
+          <a:p>
+            <a:pPr>
+              <a:tabLst>
+                <a:tab pos="3657600" algn="r"/>
+              </a:tabLst>
+            </a:pPr>
+            <a:endParaRPr lang="en-US"/>
+          </a:p>
+        </p:txBody>
+      </p:sp>
+      <p:sp>
+        <p:nvSpPr>
+          <p:cNvPr id="5" name="Date Placeholder 4"/>
+          <p:cNvSpPr>
+            <a:spLocks noGrp="1"/>
+          </p:cNvSpPr>
+          <p:nvPr>
+            <p:ph type="dt" sz="half" idx="10"/>
+          </p:nvPr>
+        </p:nvSpPr>
+        <p:spPr/>
+        <p:txBody>
+          <a:bodyPr/>
+          <a:lstStyle/>
+          <a:p>
+            <a:pPr>
+              <a:defRPr/>
+            </a:pPr>
+            <a:r>
+              <a:rPr lang="en-US" smtClean="0"/>
+              <a:t>SK5003 Pemrograman dalam Sains</a:t>
+            </a:r>
+            <a:endParaRPr lang="en-US"/>
+          </a:p>
+        </p:txBody>
+      </p:sp>
+      <p:sp>
+        <p:nvSpPr>
+          <p:cNvPr id="6" name="Footer Placeholder 5"/>
+          <p:cNvSpPr>
+            <a:spLocks noGrp="1"/>
+          </p:cNvSpPr>
+          <p:nvPr>
+            <p:ph type="ftr" sz="quarter" idx="11"/>
+          </p:nvPr>
+        </p:nvSpPr>
+        <p:spPr/>
+        <p:txBody>
+          <a:bodyPr/>
+          <a:lstStyle/>
+          <a:p>
+            <a:pPr>
+              <a:defRPr/>
+            </a:pPr>
+            <a:r>
+              <a:rPr lang="en-US" smtClean="0"/>
+              <a:t>2023-05-13 | 40132 | +62</a:t>
+            </a:r>
+            <a:endParaRPr lang="en-US"/>
+          </a:p>
+        </p:txBody>
+      </p:sp>
+      <p:sp>
+        <p:nvSpPr>
+          <p:cNvPr id="7" name="Slide Number Placeholder 6"/>
+          <p:cNvSpPr>
+            <a:spLocks noGrp="1"/>
+          </p:cNvSpPr>
+          <p:nvPr>
+            <p:ph type="sldNum" sz="quarter" idx="12"/>
+          </p:nvPr>
+        </p:nvSpPr>
+        <p:spPr/>
+        <p:txBody>
+          <a:bodyPr/>
+          <a:lstStyle/>
+          <a:p>
+            <a:pPr>
+              <a:defRPr/>
+            </a:pPr>
+            <a:fld id="{2C282B95-DEC4-4DAB-B860-318CD0CDE358}" type="slidenum">
+              <a:rPr lang="en-US" smtClean="0"/>
+              <a:pPr>
+                <a:defRPr/>
+              </a:pPr>
+              <a:t>3</a:t>
+            </a:fld>
+            <a:endParaRPr lang="en-US"/>
+          </a:p>
+        </p:txBody>
+      </p:sp>
+    </p:spTree>
+  </p:cSld>
+  <p:clrMapOvr>
+    <a:masterClrMapping/>
+  </p:clrMapOvr>
+  <p:timing>
+    <p:tnLst>
+      <p:par>
+        <p:cTn id="1" dur="indefinite" restart="never" nodeType="tmRoot"/>
+      </p:par>
+    </p:tnLst>
+  </p:timing>
+</p:sld>
+</file>
+
+<file path=ppt/slides/slide30.xml><?xml version="1.0" encoding="utf-8"?>
+<p:sld xmlns:a="http://schemas.openxmlformats.org/drawingml/2006/main" xmlns:r="http://schemas.openxmlformats.org/officeDocument/2006/relationships" xmlns:p="http://schemas.openxmlformats.org/presentationml/2006/main">
+  <p:cSld>
+    <p:spTree>
+      <p:nvGrpSpPr>
+        <p:cNvPr id="1" name=""/>
+        <p:cNvGrpSpPr/>
+        <p:nvPr/>
+      </p:nvGrpSpPr>
+      <p:grpSpPr>
+        <a:xfrm>
+          <a:off x="0" y="0"/>
+          <a:ext cx="0" cy="0"/>
+          <a:chOff x="0" y="0"/>
+          <a:chExt cx="0" cy="0"/>
+        </a:xfrm>
+      </p:grpSpPr>
+      <p:sp>
+        <p:nvSpPr>
+          <p:cNvPr id="8" name="Title 7"/>
+          <p:cNvSpPr>
+            <a:spLocks noGrp="1"/>
+          </p:cNvSpPr>
+          <p:nvPr>
+            <p:ph type="title"/>
+          </p:nvPr>
+        </p:nvSpPr>
+        <p:spPr/>
+        <p:txBody>
+          <a:bodyPr/>
+          <a:lstStyle/>
+          <a:p>
+            <a:r>
+              <a:rPr lang="en-US" smtClean="0"/>
+              <a:t>What is model?</a:t>
+            </a:r>
+            <a:endParaRPr lang="en-US"/>
+          </a:p>
+        </p:txBody>
+      </p:sp>
+      <p:sp>
+        <p:nvSpPr>
+          <p:cNvPr id="9" name="Content Placeholder 8"/>
+          <p:cNvSpPr>
+            <a:spLocks noGrp="1"/>
+          </p:cNvSpPr>
+          <p:nvPr>
+            <p:ph idx="1"/>
+          </p:nvPr>
+        </p:nvSpPr>
+        <p:spPr/>
+        <p:txBody>
+          <a:bodyPr/>
+          <a:lstStyle/>
+          <a:p>
+            <a:r>
+              <a:rPr lang="en-US" smtClean="0"/>
+              <a:t>Dalam dunia fisis model secara umum model merupakan simplifikasi sesuatu dalam dunia nyata yang masih membawa esensi sesuatu yang dimodelkan tersebut.</a:t>
+            </a:r>
+          </a:p>
+          <a:p>
+            <a:r>
+              <a:rPr lang="en-US" smtClean="0"/>
+              <a:t>Maket suatu gedung menggambarkan struktur bangunan tersebut walaupun lebih kecil dan ringan dibandingkan obyek sebenarnya.</a:t>
+            </a:r>
+          </a:p>
+          <a:p>
+            <a:r>
+              <a:rPr lang="en-US" smtClean="0"/>
+              <a:t>Model suatu sel jauh lebih besar dari ukuran sel sebenarnya.</a:t>
+            </a:r>
+            <a:endParaRPr lang="en-US"/>
+          </a:p>
+        </p:txBody>
+      </p:sp>
+      <p:sp>
+        <p:nvSpPr>
+          <p:cNvPr id="5" name="Date Placeholder 4"/>
+          <p:cNvSpPr>
+            <a:spLocks noGrp="1"/>
+          </p:cNvSpPr>
+          <p:nvPr>
+            <p:ph type="dt" sz="half" idx="10"/>
+          </p:nvPr>
+        </p:nvSpPr>
+        <p:spPr/>
+        <p:txBody>
+          <a:bodyPr/>
+          <a:lstStyle/>
+          <a:p>
+            <a:pPr>
+              <a:defRPr/>
+            </a:pPr>
+            <a:r>
+              <a:rPr lang="en-US" smtClean="0"/>
+              <a:t>SK5003 Pemrograman dalam Sains</a:t>
+            </a:r>
+            <a:endParaRPr lang="en-US"/>
+          </a:p>
+        </p:txBody>
+      </p:sp>
+      <p:sp>
+        <p:nvSpPr>
+          <p:cNvPr id="6" name="Footer Placeholder 5"/>
+          <p:cNvSpPr>
+            <a:spLocks noGrp="1"/>
+          </p:cNvSpPr>
+          <p:nvPr>
+            <p:ph type="ftr" sz="quarter" idx="11"/>
+          </p:nvPr>
+        </p:nvSpPr>
+        <p:spPr/>
+        <p:txBody>
+          <a:bodyPr/>
+          <a:lstStyle/>
+          <a:p>
+            <a:pPr>
+              <a:defRPr/>
+            </a:pPr>
+            <a:r>
+              <a:rPr lang="en-US" smtClean="0"/>
+              <a:t>2023-05-13 | 40132 | +62</a:t>
+            </a:r>
+            <a:endParaRPr lang="en-US"/>
+          </a:p>
+        </p:txBody>
+      </p:sp>
+      <p:sp>
+        <p:nvSpPr>
+          <p:cNvPr id="7" name="Slide Number Placeholder 6"/>
+          <p:cNvSpPr>
+            <a:spLocks noGrp="1"/>
+          </p:cNvSpPr>
+          <p:nvPr>
+            <p:ph type="sldNum" sz="quarter" idx="12"/>
+          </p:nvPr>
+        </p:nvSpPr>
+        <p:spPr/>
+        <p:txBody>
+          <a:bodyPr/>
+          <a:lstStyle/>
+          <a:p>
+            <a:pPr>
+              <a:defRPr/>
+            </a:pPr>
+            <a:fld id="{2C282B95-DEC4-4DAB-B860-318CD0CDE358}" type="slidenum">
+              <a:rPr lang="en-US" smtClean="0"/>
+              <a:pPr>
+                <a:defRPr/>
+              </a:pPr>
+              <a:t>30</a:t>
+            </a:fld>
+            <a:endParaRPr lang="en-US"/>
+          </a:p>
+        </p:txBody>
+      </p:sp>
+      <p:sp>
+        <p:nvSpPr>
+          <p:cNvPr id="10" name="Rectangle 9">
+            <a:hlinkClick r:id="rId2"/>
+          </p:cNvPr>
+          <p:cNvSpPr/>
+          <p:nvPr/>
+        </p:nvSpPr>
+        <p:spPr>
+          <a:xfrm>
+            <a:off x="457200" y="4129203"/>
+            <a:ext cx="8229600" cy="461665"/>
+          </a:xfrm>
+          <a:prstGeom prst="rect">
+            <a:avLst/>
+          </a:prstGeom>
+        </p:spPr>
+        <p:txBody>
+          <a:bodyPr wrap="square">
+            <a:spAutoFit/>
+          </a:bodyPr>
+          <a:lstStyle/>
+          <a:p>
+            <a:r>
+              <a:rPr lang="en-US" sz="1200" smtClean="0"/>
+              <a:t>Russell A. Poldrack</a:t>
+            </a:r>
+            <a:r>
+              <a:rPr lang="en-US" sz="1200" smtClean="0"/>
+              <a:t>, </a:t>
+            </a:r>
+            <a:r>
+              <a:rPr lang="en-US" sz="1200" smtClean="0"/>
+              <a:t>“Chapter 5 Fitting models to data”, in Statistical Thinking for the 21st Century</a:t>
+            </a:r>
+            <a:r>
+              <a:rPr lang="en-US" sz="1200" smtClean="0"/>
+              <a:t>, </a:t>
+            </a:r>
+            <a:r>
+              <a:rPr lang="en-US" sz="1200" smtClean="0"/>
+              <a:t>22 Dec 2022, </a:t>
+            </a:r>
+            <a:r>
+              <a:rPr lang="en-US" sz="1200" smtClean="0"/>
+              <a:t>url </a:t>
+            </a:r>
+            <a:r>
+              <a:rPr lang="en-US" sz="1200" smtClean="0">
+                <a:solidFill>
+                  <a:srgbClr val="0070C0"/>
+                </a:solidFill>
+              </a:rPr>
+              <a:t>https://statsthinking21.github.io/statsthinking21-core-site/fitting-models.html</a:t>
+            </a:r>
+            <a:r>
+              <a:rPr lang="en-US" sz="1200" smtClean="0"/>
+              <a:t> </a:t>
+            </a:r>
+            <a:r>
+              <a:rPr lang="en-US" sz="1200" smtClean="0"/>
+              <a:t>[20230512</a:t>
+            </a:r>
+            <a:r>
+              <a:rPr lang="en-US" sz="1200" smtClean="0"/>
+              <a:t>].</a:t>
+            </a:r>
+            <a:endParaRPr lang="en-US" sz="1200"/>
+          </a:p>
+        </p:txBody>
+      </p:sp>
+    </p:spTree>
+  </p:cSld>
+  <p:clrMapOvr>
+    <a:masterClrMapping/>
+  </p:clrMapOvr>
+</p:sld>
+</file>
+
+<file path=ppt/slides/slide31.xml><?xml version="1.0" encoding="utf-8"?>
+<p:sld xmlns:a="http://schemas.openxmlformats.org/drawingml/2006/main" xmlns:r="http://schemas.openxmlformats.org/officeDocument/2006/relationships" xmlns:p="http://schemas.openxmlformats.org/presentationml/2006/main">
+  <p:cSld>
+    <p:spTree>
+      <p:nvGrpSpPr>
+        <p:cNvPr id="1" name=""/>
+        <p:cNvGrpSpPr/>
+        <p:nvPr/>
+      </p:nvGrpSpPr>
+      <p:grpSpPr>
+        <a:xfrm>
+          <a:off x="0" y="0"/>
+          <a:ext cx="0" cy="0"/>
+          <a:chOff x="0" y="0"/>
+          <a:chExt cx="0" cy="0"/>
+        </a:xfrm>
+      </p:grpSpPr>
+      <p:sp>
+        <p:nvSpPr>
+          <p:cNvPr id="2" name="Title 1"/>
+          <p:cNvSpPr>
+            <a:spLocks noGrp="1"/>
+          </p:cNvSpPr>
+          <p:nvPr>
+            <p:ph type="title"/>
+          </p:nvPr>
+        </p:nvSpPr>
+        <p:spPr/>
+        <p:txBody>
+          <a:bodyPr/>
+          <a:lstStyle/>
+          <a:p>
+            <a:r>
+              <a:rPr lang="en-US" smtClean="0"/>
+              <a:t>Model statistik</a:t>
+            </a:r>
+            <a:endParaRPr lang="en-US"/>
+          </a:p>
+        </p:txBody>
+      </p:sp>
+      <p:sp>
+        <p:nvSpPr>
+          <p:cNvPr id="3" name="Content Placeholder 2"/>
+          <p:cNvSpPr>
+            <a:spLocks noGrp="1"/>
+          </p:cNvSpPr>
+          <p:nvPr>
+            <p:ph idx="1"/>
+          </p:nvPr>
+        </p:nvSpPr>
+        <p:spPr/>
+        <p:txBody>
+          <a:bodyPr/>
+          <a:lstStyle/>
+          <a:p>
+            <a:r>
+              <a:rPr lang="en-US" smtClean="0"/>
+              <a:t>Dalam statistik berlaku yang sama, model menyediakan deskripsi terpadatkan yang mirip, akan tetapi lebih ke arah data dibandingkan dengan struktur fisis.</a:t>
+            </a:r>
+          </a:p>
+          <a:p>
+            <a:r>
+              <a:rPr lang="en-US" smtClean="0"/>
+              <a:t>Model statistik secara umum lebih sederhana dari data yang dideskripsikan.</a:t>
+            </a:r>
+          </a:p>
+          <a:p>
+            <a:r>
+              <a:rPr lang="en-US" smtClean="0"/>
+              <a:t>Model tersebut bertujuan untuk menangkap struktur data sesederhana mungkin.</a:t>
+            </a:r>
+            <a:endParaRPr lang="en-US"/>
+          </a:p>
+        </p:txBody>
+      </p:sp>
+      <p:sp>
+        <p:nvSpPr>
+          <p:cNvPr id="4" name="Date Placeholder 3"/>
+          <p:cNvSpPr>
+            <a:spLocks noGrp="1"/>
+          </p:cNvSpPr>
+          <p:nvPr>
+            <p:ph type="dt" sz="half" idx="10"/>
+          </p:nvPr>
+        </p:nvSpPr>
+        <p:spPr/>
+        <p:txBody>
+          <a:bodyPr/>
+          <a:lstStyle/>
+          <a:p>
+            <a:pPr>
+              <a:defRPr/>
+            </a:pPr>
+            <a:r>
+              <a:rPr lang="en-US" smtClean="0"/>
+              <a:t>SK5003 Pemrograman dalam Sains</a:t>
+            </a:r>
+            <a:endParaRPr lang="en-US"/>
+          </a:p>
+        </p:txBody>
+      </p:sp>
+      <p:sp>
+        <p:nvSpPr>
+          <p:cNvPr id="5" name="Footer Placeholder 4"/>
+          <p:cNvSpPr>
+            <a:spLocks noGrp="1"/>
+          </p:cNvSpPr>
+          <p:nvPr>
+            <p:ph type="ftr" sz="quarter" idx="11"/>
+          </p:nvPr>
+        </p:nvSpPr>
+        <p:spPr/>
+        <p:txBody>
+          <a:bodyPr/>
+          <a:lstStyle/>
+          <a:p>
+            <a:pPr>
+              <a:defRPr/>
+            </a:pPr>
+            <a:r>
+              <a:rPr lang="en-US" smtClean="0"/>
+              <a:t>2023-05-13 | 40132 | +62</a:t>
+            </a:r>
+            <a:endParaRPr lang="en-US"/>
+          </a:p>
+        </p:txBody>
+      </p:sp>
+      <p:sp>
+        <p:nvSpPr>
+          <p:cNvPr id="6" name="Slide Number Placeholder 5"/>
+          <p:cNvSpPr>
+            <a:spLocks noGrp="1"/>
+          </p:cNvSpPr>
+          <p:nvPr>
+            <p:ph type="sldNum" sz="quarter" idx="12"/>
+          </p:nvPr>
+        </p:nvSpPr>
+        <p:spPr/>
+        <p:txBody>
+          <a:bodyPr/>
+          <a:lstStyle/>
+          <a:p>
+            <a:pPr>
+              <a:defRPr/>
+            </a:pPr>
+            <a:fld id="{F076344D-F0A0-4571-8A46-686886838267}" type="slidenum">
+              <a:rPr lang="en-US" smtClean="0"/>
+              <a:pPr>
+                <a:defRPr/>
+              </a:pPr>
+              <a:t>31</a:t>
+            </a:fld>
+            <a:endParaRPr lang="en-US"/>
+          </a:p>
+        </p:txBody>
+      </p:sp>
+    </p:spTree>
+  </p:cSld>
+  <p:clrMapOvr>
+    <a:masterClrMapping/>
+  </p:clrMapOvr>
+</p:sld>
+</file>
+
+<file path=ppt/slides/slide32.xml><?xml version="1.0" encoding="utf-8"?>
+<p:sld xmlns:a="http://schemas.openxmlformats.org/drawingml/2006/main" xmlns:r="http://schemas.openxmlformats.org/officeDocument/2006/relationships" xmlns:p="http://schemas.openxmlformats.org/presentationml/2006/main">
+  <p:cSld>
+    <p:spTree>
+      <p:nvGrpSpPr>
+        <p:cNvPr id="1" name=""/>
+        <p:cNvGrpSpPr/>
+        <p:nvPr/>
+      </p:nvGrpSpPr>
+      <p:grpSpPr>
+        <a:xfrm>
+          <a:off x="0" y="0"/>
+          <a:ext cx="0" cy="0"/>
+          <a:chOff x="0" y="0"/>
+          <a:chExt cx="0" cy="0"/>
+        </a:xfrm>
+      </p:grpSpPr>
+      <p:sp>
+        <p:nvSpPr>
+          <p:cNvPr id="2" name="Title 1"/>
+          <p:cNvSpPr>
+            <a:spLocks noGrp="1"/>
+          </p:cNvSpPr>
+          <p:nvPr>
+            <p:ph type="title"/>
+          </p:nvPr>
+        </p:nvSpPr>
+        <p:spPr/>
+        <p:txBody>
+          <a:bodyPr/>
+          <a:lstStyle/>
+          <a:p>
+            <a:r>
+              <a:rPr lang="en-US" smtClean="0"/>
+              <a:t>Struktur dasar</a:t>
+            </a:r>
+            <a:endParaRPr lang="en-US"/>
+          </a:p>
+        </p:txBody>
+      </p:sp>
+      <p:sp>
+        <p:nvSpPr>
+          <p:cNvPr id="3" name="Content Placeholder 2"/>
+          <p:cNvSpPr>
+            <a:spLocks noGrp="1"/>
+          </p:cNvSpPr>
+          <p:nvPr>
+            <p:ph idx="1"/>
+          </p:nvPr>
+        </p:nvSpPr>
+        <p:spPr/>
+        <p:txBody>
+          <a:bodyPr/>
+          <a:lstStyle/>
+          <a:p>
+            <a:r>
+              <a:rPr lang="en-US" smtClean="0"/>
+              <a:t>Suatu model statistik memiliki struktur dasar</a:t>
+            </a:r>
+          </a:p>
+          <a:p>
+            <a:endParaRPr lang="en-US" smtClean="0"/>
+          </a:p>
+          <a:p>
+            <a:pPr>
+              <a:buNone/>
+            </a:pPr>
+            <a:r>
+              <a:rPr lang="en-US" smtClean="0"/>
+              <a:t>	dengan data </a:t>
+            </a:r>
+            <a:r>
+              <a:rPr lang="en-US" i="1" smtClean="0">
+                <a:latin typeface="Times New Roman" pitchFamily="18" charset="0"/>
+                <a:cs typeface="Times New Roman" pitchFamily="18" charset="0"/>
+              </a:rPr>
+              <a:t>d</a:t>
+            </a:r>
+            <a:r>
+              <a:rPr lang="en-US" smtClean="0"/>
+              <a:t>, model </a:t>
+            </a:r>
+            <a:r>
+              <a:rPr lang="en-US" i="1" smtClean="0">
+                <a:latin typeface="Times New Roman" pitchFamily="18" charset="0"/>
+                <a:cs typeface="Times New Roman" pitchFamily="18" charset="0"/>
+              </a:rPr>
+              <a:t>m</a:t>
+            </a:r>
+            <a:r>
+              <a:rPr lang="en-US" smtClean="0"/>
+              <a:t>, dan error </a:t>
+            </a:r>
+            <a:r>
+              <a:rPr lang="en-US" i="1" smtClean="0">
+                <a:latin typeface="Times New Roman" pitchFamily="18" charset="0"/>
+                <a:cs typeface="Times New Roman" pitchFamily="18" charset="0"/>
+              </a:rPr>
+              <a:t>e</a:t>
+            </a:r>
+          </a:p>
+          <a:p>
+            <a:r>
+              <a:rPr lang="en-US" smtClean="0"/>
+              <a:t>Prediksi oleh model untuk data ke </a:t>
+            </a:r>
+            <a:r>
+              <a:rPr lang="en-US" i="1" smtClean="0">
+                <a:latin typeface="Times New Roman" pitchFamily="18" charset="0"/>
+                <a:cs typeface="Times New Roman" pitchFamily="18" charset="0"/>
+              </a:rPr>
+              <a:t>i</a:t>
+            </a:r>
+            <a:r>
+              <a:rPr lang="en-US" smtClean="0"/>
+              <a:t> adalah</a:t>
+            </a:r>
+          </a:p>
+          <a:p>
+            <a:endParaRPr lang="en-US" smtClean="0"/>
+          </a:p>
+          <a:p>
+            <a:r>
+              <a:rPr lang="en-US" smtClean="0"/>
+              <a:t>Error menjadi</a:t>
+            </a:r>
+            <a:endParaRPr lang="en-US" smtClean="0"/>
+          </a:p>
+          <a:p>
+            <a:endParaRPr lang="en-US" smtClean="0"/>
+          </a:p>
+          <a:p>
+            <a:endParaRPr lang="en-US"/>
+          </a:p>
+        </p:txBody>
+      </p:sp>
+      <p:sp>
+        <p:nvSpPr>
+          <p:cNvPr id="4" name="Date Placeholder 3"/>
+          <p:cNvSpPr>
+            <a:spLocks noGrp="1"/>
+          </p:cNvSpPr>
+          <p:nvPr>
+            <p:ph type="dt" sz="half" idx="10"/>
+          </p:nvPr>
+        </p:nvSpPr>
+        <p:spPr/>
+        <p:txBody>
+          <a:bodyPr/>
+          <a:lstStyle/>
+          <a:p>
+            <a:pPr>
+              <a:defRPr/>
+            </a:pPr>
+            <a:r>
+              <a:rPr lang="en-US" smtClean="0"/>
+              <a:t>SK5003 Pemrograman dalam Sains</a:t>
+            </a:r>
+            <a:endParaRPr lang="en-US"/>
+          </a:p>
+        </p:txBody>
+      </p:sp>
+      <p:sp>
+        <p:nvSpPr>
+          <p:cNvPr id="5" name="Footer Placeholder 4"/>
+          <p:cNvSpPr>
+            <a:spLocks noGrp="1"/>
+          </p:cNvSpPr>
+          <p:nvPr>
+            <p:ph type="ftr" sz="quarter" idx="11"/>
+          </p:nvPr>
+        </p:nvSpPr>
+        <p:spPr/>
+        <p:txBody>
+          <a:bodyPr/>
+          <a:lstStyle/>
+          <a:p>
+            <a:pPr>
+              <a:defRPr/>
+            </a:pPr>
+            <a:r>
+              <a:rPr lang="en-US" smtClean="0"/>
+              <a:t>2023-05-13 | 40132 | +62</a:t>
+            </a:r>
+            <a:endParaRPr lang="en-US"/>
+          </a:p>
+        </p:txBody>
+      </p:sp>
+      <p:sp>
+        <p:nvSpPr>
+          <p:cNvPr id="6" name="Slide Number Placeholder 5"/>
+          <p:cNvSpPr>
+            <a:spLocks noGrp="1"/>
+          </p:cNvSpPr>
+          <p:nvPr>
+            <p:ph type="sldNum" sz="quarter" idx="12"/>
+          </p:nvPr>
+        </p:nvSpPr>
+        <p:spPr/>
+        <p:txBody>
+          <a:bodyPr/>
+          <a:lstStyle/>
+          <a:p>
+            <a:pPr>
+              <a:defRPr/>
+            </a:pPr>
+            <a:fld id="{F076344D-F0A0-4571-8A46-686886838267}" type="slidenum">
+              <a:rPr lang="en-US" smtClean="0"/>
+              <a:pPr>
+                <a:defRPr/>
+              </a:pPr>
+              <a:t>32</a:t>
+            </a:fld>
+            <a:endParaRPr lang="en-US"/>
+          </a:p>
+        </p:txBody>
+      </p:sp>
+      <p:graphicFrame>
+        <p:nvGraphicFramePr>
+          <p:cNvPr id="88066" name="Object 2"/>
+          <p:cNvGraphicFramePr>
+            <a:graphicFrameLocks noChangeAspect="1"/>
+          </p:cNvGraphicFramePr>
+          <p:nvPr/>
+        </p:nvGraphicFramePr>
+        <p:xfrm>
+          <a:off x="873125" y="1657350"/>
+          <a:ext cx="1298575" cy="412750"/>
+        </p:xfrm>
+        <a:graphic>
+          <a:graphicData uri="http://schemas.openxmlformats.org/presentationml/2006/ole">
+            <p:oleObj spid="_x0000_s88066" name="Equation" r:id="rId4" imgW="520560" imgH="164880" progId="Equation.3">
+              <p:embed/>
+            </p:oleObj>
+          </a:graphicData>
+        </a:graphic>
+      </p:graphicFrame>
+      <p:graphicFrame>
+        <p:nvGraphicFramePr>
+          <p:cNvPr id="88067" name="Object 3"/>
+          <p:cNvGraphicFramePr>
+            <a:graphicFrameLocks noChangeAspect="1"/>
+          </p:cNvGraphicFramePr>
+          <p:nvPr/>
+        </p:nvGraphicFramePr>
+        <p:xfrm>
+          <a:off x="873125" y="2876550"/>
+          <a:ext cx="1014412" cy="571500"/>
+        </p:xfrm>
+        <a:graphic>
+          <a:graphicData uri="http://schemas.openxmlformats.org/presentationml/2006/ole">
+            <p:oleObj spid="_x0000_s88067" name="Equation" r:id="rId5" imgW="406080" imgH="228600" progId="Equation.3">
+              <p:embed/>
+            </p:oleObj>
+          </a:graphicData>
+        </a:graphic>
+      </p:graphicFrame>
+      <p:graphicFrame>
+        <p:nvGraphicFramePr>
+          <p:cNvPr id="88068" name="Object 4"/>
+          <p:cNvGraphicFramePr>
+            <a:graphicFrameLocks noChangeAspect="1"/>
+          </p:cNvGraphicFramePr>
+          <p:nvPr/>
+        </p:nvGraphicFramePr>
+        <p:xfrm>
+          <a:off x="873125" y="3752850"/>
+          <a:ext cx="1489075" cy="571500"/>
+        </p:xfrm>
+        <a:graphic>
+          <a:graphicData uri="http://schemas.openxmlformats.org/presentationml/2006/ole">
+            <p:oleObj spid="_x0000_s88068" name="Equation" r:id="rId6" imgW="596880" imgH="228600" progId="Equation.3">
+              <p:embed/>
+            </p:oleObj>
+          </a:graphicData>
+        </a:graphic>
+      </p:graphicFrame>
+      <p:graphicFrame>
+        <p:nvGraphicFramePr>
+          <p:cNvPr id="88069" name="Object 5"/>
+          <p:cNvGraphicFramePr>
+            <a:graphicFrameLocks noChangeAspect="1"/>
+          </p:cNvGraphicFramePr>
+          <p:nvPr/>
+        </p:nvGraphicFramePr>
+        <p:xfrm>
+          <a:off x="6629400" y="3028950"/>
+          <a:ext cx="381000" cy="571500"/>
+        </p:xfrm>
+        <a:graphic>
+          <a:graphicData uri="http://schemas.openxmlformats.org/presentationml/2006/ole">
+            <p:oleObj spid="_x0000_s88069" name="Equation" r:id="rId7" imgW="152280" imgH="228600" progId="Equation.3">
+              <p:embed/>
+            </p:oleObj>
+          </a:graphicData>
+        </a:graphic>
+      </p:graphicFrame>
+      <p:sp>
+        <p:nvSpPr>
+          <p:cNvPr id="11" name="Rectangle 10"/>
+          <p:cNvSpPr/>
+          <p:nvPr/>
+        </p:nvSpPr>
+        <p:spPr>
+          <a:xfrm>
+            <a:off x="6662853" y="3105150"/>
+            <a:ext cx="1905000" cy="830997"/>
+          </a:xfrm>
+          <a:prstGeom prst="rect">
+            <a:avLst/>
+          </a:prstGeom>
+        </p:spPr>
+        <p:txBody>
+          <a:bodyPr wrap="square">
+            <a:spAutoFit/>
+          </a:bodyPr>
+          <a:lstStyle/>
+          <a:p>
+            <a:r>
+              <a:rPr lang="en-US" sz="2400" smtClean="0">
+                <a:latin typeface="+mn-lt"/>
+              </a:rPr>
+              <a:t>    bukan data sebenarnya</a:t>
+            </a:r>
+            <a:endParaRPr lang="en-US" sz="2400">
+              <a:latin typeface="+mn-lt"/>
+            </a:endParaRPr>
+          </a:p>
+        </p:txBody>
+      </p:sp>
+    </p:spTree>
+  </p:cSld>
+  <p:clrMapOvr>
+    <a:masterClrMapping/>
+  </p:clrMapOvr>
+</p:sld>
+</file>
+
+<file path=ppt/slides/slide33.xml><?xml version="1.0" encoding="utf-8"?>
+<p:sld xmlns:a="http://schemas.openxmlformats.org/drawingml/2006/main" xmlns:r="http://schemas.openxmlformats.org/officeDocument/2006/relationships" xmlns:p="http://schemas.openxmlformats.org/presentationml/2006/main">
+  <p:cSld>
+    <p:spTree>
+      <p:nvGrpSpPr>
+        <p:cNvPr id="1" name=""/>
+        <p:cNvGrpSpPr/>
+        <p:nvPr/>
+      </p:nvGrpSpPr>
+      <p:grpSpPr>
+        <a:xfrm>
+          <a:off x="0" y="0"/>
+          <a:ext cx="0" cy="0"/>
+          <a:chOff x="0" y="0"/>
+          <a:chExt cx="0" cy="0"/>
+        </a:xfrm>
+      </p:grpSpPr>
+      <p:sp>
+        <p:nvSpPr>
+          <p:cNvPr id="2" name="Title 1"/>
+          <p:cNvSpPr>
+            <a:spLocks noGrp="1"/>
+          </p:cNvSpPr>
+          <p:nvPr>
+            <p:ph type="title"/>
+          </p:nvPr>
+        </p:nvSpPr>
+        <p:spPr/>
+        <p:txBody>
+          <a:bodyPr/>
+          <a:lstStyle/>
+          <a:p>
+            <a:r>
+              <a:rPr lang="en-US" smtClean="0"/>
+              <a:t>Contoh model linier</a:t>
+            </a:r>
+            <a:endParaRPr lang="en-US"/>
+          </a:p>
+        </p:txBody>
+      </p:sp>
+      <p:sp>
+        <p:nvSpPr>
+          <p:cNvPr id="3" name="Content Placeholder 2"/>
+          <p:cNvSpPr>
+            <a:spLocks noGrp="1"/>
+          </p:cNvSpPr>
+          <p:nvPr>
+            <p:ph idx="1"/>
+          </p:nvPr>
+        </p:nvSpPr>
+        <p:spPr/>
+        <p:txBody>
+          <a:bodyPr/>
+          <a:lstStyle/>
+          <a:p>
+            <a:endParaRPr lang="en-US" smtClean="0"/>
+          </a:p>
+          <a:p>
+            <a:endParaRPr lang="en-US" smtClean="0"/>
+          </a:p>
+          <a:p>
+            <a:endParaRPr lang="en-US" smtClean="0"/>
+          </a:p>
+          <a:p>
+            <a:endParaRPr lang="en-US" smtClean="0"/>
+          </a:p>
+          <a:p>
+            <a:endParaRPr lang="en-US" smtClean="0"/>
+          </a:p>
+          <a:p>
+            <a:endParaRPr lang="en-US" smtClean="0"/>
+          </a:p>
+          <a:p>
+            <a:r>
+              <a:rPr lang="en-US" smtClean="0"/>
+              <a:t>Model memiliki makna pada setiap parameternya, bukan hanya sekedar fitting data dengan suatu fungsi</a:t>
+            </a:r>
+            <a:endParaRPr lang="en-US"/>
+          </a:p>
+        </p:txBody>
+      </p:sp>
+      <p:sp>
+        <p:nvSpPr>
+          <p:cNvPr id="4" name="Date Placeholder 3"/>
+          <p:cNvSpPr>
+            <a:spLocks noGrp="1"/>
+          </p:cNvSpPr>
+          <p:nvPr>
+            <p:ph type="dt" sz="half" idx="10"/>
+          </p:nvPr>
+        </p:nvSpPr>
+        <p:spPr/>
+        <p:txBody>
+          <a:bodyPr/>
+          <a:lstStyle/>
+          <a:p>
+            <a:pPr>
+              <a:defRPr/>
+            </a:pPr>
+            <a:r>
+              <a:rPr lang="en-US" smtClean="0"/>
+              <a:t>SK5003 Pemrograman dalam Sains</a:t>
+            </a:r>
+            <a:endParaRPr lang="en-US"/>
+          </a:p>
+        </p:txBody>
+      </p:sp>
+      <p:sp>
+        <p:nvSpPr>
+          <p:cNvPr id="5" name="Footer Placeholder 4"/>
+          <p:cNvSpPr>
+            <a:spLocks noGrp="1"/>
+          </p:cNvSpPr>
+          <p:nvPr>
+            <p:ph type="ftr" sz="quarter" idx="11"/>
+          </p:nvPr>
+        </p:nvSpPr>
+        <p:spPr/>
+        <p:txBody>
+          <a:bodyPr/>
+          <a:lstStyle/>
+          <a:p>
+            <a:pPr>
+              <a:defRPr/>
+            </a:pPr>
+            <a:r>
+              <a:rPr lang="en-US" smtClean="0"/>
+              <a:t>2023-05-13 | 40132 | +62</a:t>
+            </a:r>
+            <a:endParaRPr lang="en-US"/>
+          </a:p>
+        </p:txBody>
+      </p:sp>
+      <p:sp>
+        <p:nvSpPr>
+          <p:cNvPr id="6" name="Slide Number Placeholder 5"/>
+          <p:cNvSpPr>
+            <a:spLocks noGrp="1"/>
+          </p:cNvSpPr>
+          <p:nvPr>
+            <p:ph type="sldNum" sz="quarter" idx="12"/>
+          </p:nvPr>
+        </p:nvSpPr>
+        <p:spPr/>
+        <p:txBody>
+          <a:bodyPr/>
+          <a:lstStyle/>
+          <a:p>
+            <a:pPr>
+              <a:defRPr/>
+            </a:pPr>
+            <a:fld id="{F076344D-F0A0-4571-8A46-686886838267}" type="slidenum">
+              <a:rPr lang="en-US" smtClean="0"/>
+              <a:pPr>
+                <a:defRPr/>
+              </a:pPr>
+              <a:t>33</a:t>
+            </a:fld>
+            <a:endParaRPr lang="en-US"/>
+          </a:p>
+        </p:txBody>
+      </p:sp>
+      <p:pic>
+        <p:nvPicPr>
+          <p:cNvPr id="89090" name="Picture 2"/>
+          <p:cNvPicPr>
+            <a:picLocks noChangeAspect="1" noChangeArrowheads="1"/>
+          </p:cNvPicPr>
+          <p:nvPr/>
+        </p:nvPicPr>
+        <p:blipFill>
+          <a:blip r:embed="rId2"/>
+          <a:srcRect/>
+          <a:stretch>
+            <a:fillRect/>
+          </a:stretch>
+        </p:blipFill>
+        <p:spPr bwMode="auto">
+          <a:xfrm>
+            <a:off x="638175" y="1138238"/>
+            <a:ext cx="5181600" cy="2619375"/>
+          </a:xfrm>
+          <a:prstGeom prst="rect">
+            <a:avLst/>
+          </a:prstGeom>
+          <a:noFill/>
+          <a:ln w="9525">
+            <a:noFill/>
+            <a:miter lim="800000"/>
+            <a:headEnd/>
+            <a:tailEnd/>
+          </a:ln>
+          <a:effectLst/>
+        </p:spPr>
+      </p:pic>
+      <p:pic>
+        <p:nvPicPr>
+          <p:cNvPr id="89091" name="Picture 3"/>
+          <p:cNvPicPr>
+            <a:picLocks noChangeAspect="1" noChangeArrowheads="1"/>
+          </p:cNvPicPr>
+          <p:nvPr/>
+        </p:nvPicPr>
+        <p:blipFill>
+          <a:blip r:embed="rId3"/>
+          <a:srcRect/>
+          <a:stretch>
+            <a:fillRect/>
+          </a:stretch>
+        </p:blipFill>
+        <p:spPr bwMode="auto">
+          <a:xfrm>
+            <a:off x="5819775" y="1123950"/>
+            <a:ext cx="2714625" cy="2647950"/>
+          </a:xfrm>
+          <a:prstGeom prst="rect">
+            <a:avLst/>
+          </a:prstGeom>
+          <a:noFill/>
+          <a:ln w="9525">
+            <a:noFill/>
+            <a:miter lim="800000"/>
+            <a:headEnd/>
+            <a:tailEnd/>
+          </a:ln>
+          <a:effectLst/>
+        </p:spPr>
+      </p:pic>
+    </p:spTree>
+  </p:cSld>
+  <p:clrMapOvr>
+    <a:masterClrMapping/>
+  </p:clrMapOvr>
+  <p:timing>
+    <p:tnLst>
+      <p:par>
+        <p:cTn id="1" dur="indefinite" restart="never" nodeType="tmRoot"/>
+      </p:par>
+    </p:tnLst>
+  </p:timing>
+</p:sld>
+</file>
+
+<file path=ppt/slides/slide34.xml><?xml version="1.0" encoding="utf-8"?>
+<p:sld xmlns:a="http://schemas.openxmlformats.org/drawingml/2006/main" xmlns:r="http://schemas.openxmlformats.org/officeDocument/2006/relationships" xmlns:p="http://schemas.openxmlformats.org/presentationml/2006/main">
+  <p:cSld>
+    <p:spTree>
+      <p:nvGrpSpPr>
+        <p:cNvPr id="1" name=""/>
+        <p:cNvGrpSpPr/>
+        <p:nvPr/>
+      </p:nvGrpSpPr>
+      <p:grpSpPr>
+        <a:xfrm>
+          <a:off x="0" y="0"/>
+          <a:ext cx="0" cy="0"/>
+          <a:chOff x="0" y="0"/>
+          <a:chExt cx="0" cy="0"/>
+        </a:xfrm>
+      </p:grpSpPr>
+      <p:sp>
+        <p:nvSpPr>
+          <p:cNvPr id="4" name="Date Placeholder 3"/>
+          <p:cNvSpPr>
+            <a:spLocks noGrp="1"/>
+          </p:cNvSpPr>
+          <p:nvPr>
+            <p:ph type="dt" sz="half" idx="10"/>
+          </p:nvPr>
+        </p:nvSpPr>
+        <p:spPr/>
+        <p:txBody>
+          <a:bodyPr/>
+          <a:lstStyle/>
+          <a:p>
+            <a:pPr>
+              <a:defRPr/>
+            </a:pPr>
+            <a:r>
+              <a:rPr lang="en-US" smtClean="0"/>
+              <a:t>SK5003 Pemrograman dalam Sains</a:t>
+            </a:r>
+            <a:endParaRPr lang="en-US"/>
+          </a:p>
+        </p:txBody>
+      </p:sp>
+      <p:sp>
+        <p:nvSpPr>
+          <p:cNvPr id="5" name="Footer Placeholder 4"/>
+          <p:cNvSpPr>
+            <a:spLocks noGrp="1"/>
+          </p:cNvSpPr>
+          <p:nvPr>
+            <p:ph type="ftr" sz="quarter" idx="11"/>
+          </p:nvPr>
+        </p:nvSpPr>
+        <p:spPr/>
+        <p:txBody>
+          <a:bodyPr/>
+          <a:lstStyle/>
+          <a:p>
+            <a:pPr>
+              <a:defRPr/>
+            </a:pPr>
+            <a:r>
+              <a:rPr lang="en-US" smtClean="0"/>
+              <a:t>2023-05-13 | 40132 | +62</a:t>
+            </a:r>
+            <a:endParaRPr lang="en-US"/>
+          </a:p>
+        </p:txBody>
+      </p:sp>
+      <p:sp>
+        <p:nvSpPr>
+          <p:cNvPr id="6" name="Slide Number Placeholder 5"/>
+          <p:cNvSpPr>
+            <a:spLocks noGrp="1"/>
+          </p:cNvSpPr>
+          <p:nvPr>
+            <p:ph type="sldNum" sz="quarter" idx="12"/>
+          </p:nvPr>
+        </p:nvSpPr>
+        <p:spPr/>
+        <p:txBody>
+          <a:bodyPr/>
+          <a:lstStyle/>
+          <a:p>
+            <a:pPr>
+              <a:defRPr/>
+            </a:pPr>
+            <a:fld id="{F076344D-F0A0-4571-8A46-686886838267}" type="slidenum">
+              <a:rPr lang="en-US" smtClean="0"/>
+              <a:pPr>
+                <a:defRPr/>
+              </a:pPr>
+              <a:t>34</a:t>
+            </a:fld>
+            <a:endParaRPr lang="en-US"/>
+          </a:p>
+        </p:txBody>
+      </p:sp>
+      <p:sp>
+        <p:nvSpPr>
+          <p:cNvPr id="9" name="Subtitle 2"/>
+          <p:cNvSpPr>
+            <a:spLocks/>
+          </p:cNvSpPr>
+          <p:nvPr/>
+        </p:nvSpPr>
+        <p:spPr bwMode="auto">
+          <a:xfrm>
+            <a:off x="3581399" y="3105150"/>
+            <a:ext cx="5105401" cy="952500"/>
+          </a:xfrm>
+          <a:prstGeom prst="rect">
+            <a:avLst/>
+          </a:prstGeom>
+          <a:noFill/>
+          <a:ln w="9525">
+            <a:noFill/>
+            <a:miter lim="800000"/>
+            <a:headEnd/>
+            <a:tailEnd/>
+          </a:ln>
+        </p:spPr>
+        <p:txBody>
+          <a:bodyPr/>
+          <a:lstStyle/>
+          <a:p>
+            <a:pPr algn="r">
+              <a:lnSpc>
+                <a:spcPct val="80000"/>
+              </a:lnSpc>
+              <a:spcBef>
+                <a:spcPct val="20000"/>
+              </a:spcBef>
+              <a:buFont typeface="Arial" charset="0"/>
+              <a:buNone/>
+            </a:pPr>
+            <a:r>
+              <a:rPr lang="en-US" sz="2800" b="1">
+                <a:solidFill>
+                  <a:schemeClr val="bg1"/>
+                </a:solidFill>
+                <a:latin typeface="Calibri" pitchFamily="34" charset="0"/>
+              </a:rPr>
+              <a:t>Diskusi dan latihan</a:t>
+            </a:r>
+          </a:p>
+        </p:txBody>
+      </p:sp>
+    </p:spTree>
+  </p:cSld>
+  <p:clrMapOvr>
+    <a:masterClrMapping/>
+  </p:clrMapOvr>
+  <p:timing>
+    <p:tnLst>
+      <p:par>
+        <p:cTn id="1" dur="indefinite" restart="never" nodeType="tmRoot"/>
+      </p:par>
+    </p:tnLst>
+  </p:timing>
+</p:sld>
+</file>
+
+<file path=ppt/slides/slide35.xml><?xml version="1.0" encoding="utf-8"?>
+<p:sld xmlns:a="http://schemas.openxmlformats.org/drawingml/2006/main" xmlns:r="http://schemas.openxmlformats.org/officeDocument/2006/relationships" xmlns:p="http://schemas.openxmlformats.org/presentationml/2006/main">
+  <p:cSld>
+    <p:spTree>
+      <p:nvGrpSpPr>
+        <p:cNvPr id="1" name=""/>
+        <p:cNvGrpSpPr/>
+        <p:nvPr/>
+      </p:nvGrpSpPr>
+      <p:grpSpPr>
+        <a:xfrm>
+          <a:off x="0" y="0"/>
+          <a:ext cx="0" cy="0"/>
+          <a:chOff x="0" y="0"/>
+          <a:chExt cx="0" cy="0"/>
+        </a:xfrm>
+      </p:grpSpPr>
+      <p:sp>
+        <p:nvSpPr>
           <p:cNvPr id="7" name="Title 6"/>
           <p:cNvSpPr>
             <a:spLocks noGrp="1"/>
@@ -8926,7 +10666,7 @@
               <a:pPr>
                 <a:defRPr/>
               </a:pPr>
-              <a:t>29</a:t>
+              <a:t>35</a:t>
             </a:fld>
             <a:endParaRPr lang="en-US"/>
           </a:p>
@@ -9047,7 +10787,7 @@
 </p:sld>
 </file>
 
-<file path=ppt/slides/slide3.xml><?xml version="1.0" encoding="utf-8"?>
+<file path=ppt/slides/slide36.xml><?xml version="1.0" encoding="utf-8"?>
 <p:sld xmlns:a="http://schemas.openxmlformats.org/drawingml/2006/main" xmlns:r="http://schemas.openxmlformats.org/officeDocument/2006/relationships" xmlns:p="http://schemas.openxmlformats.org/presentationml/2006/main">
   <p:cSld>
     <p:spTree>
@@ -9066,245 +10806,6 @@
       </p:grpSpPr>
       <p:sp>
         <p:nvSpPr>
-          <p:cNvPr id="8" name="Title 7"/>
-          <p:cNvSpPr>
-            <a:spLocks noGrp="1"/>
-          </p:cNvSpPr>
-          <p:nvPr>
-            <p:ph type="title"/>
-          </p:nvPr>
-        </p:nvSpPr>
-        <p:spPr/>
-        <p:txBody>
-          <a:bodyPr/>
-          <a:lstStyle/>
-          <a:p>
-            <a:r>
-              <a:rPr lang="en-US"/>
-              <a:t>Kerangka</a:t>
-            </a:r>
-          </a:p>
-        </p:txBody>
-      </p:sp>
-      <p:sp>
-        <p:nvSpPr>
-          <p:cNvPr id="9" name="Content Placeholder 8"/>
-          <p:cNvSpPr>
-            <a:spLocks noGrp="1"/>
-          </p:cNvSpPr>
-          <p:nvPr>
-            <p:ph sz="half" idx="1"/>
-          </p:nvPr>
-        </p:nvSpPr>
-        <p:spPr/>
-        <p:txBody>
-          <a:bodyPr/>
-          <a:lstStyle/>
-          <a:p>
-            <a:pPr>
-              <a:tabLst>
-                <a:tab pos="3657600" algn="r"/>
-              </a:tabLst>
-            </a:pPr>
-            <a:r>
-              <a:rPr lang="en-US"/>
-              <a:t>SAP dan referensi	</a:t>
-            </a:r>
-            <a:r>
-              <a:rPr lang="en-US" smtClean="0"/>
-              <a:t>4</a:t>
-            </a:r>
-          </a:p>
-          <a:p>
-            <a:pPr>
-              <a:tabLst>
-                <a:tab pos="3657600" algn="r"/>
-              </a:tabLst>
-            </a:pPr>
-            <a:r>
-              <a:rPr lang="en-US" smtClean="0"/>
-              <a:t>Model	9</a:t>
-            </a:r>
-          </a:p>
-          <a:p>
-            <a:pPr>
-              <a:tabLst>
-                <a:tab pos="3657600" algn="r"/>
-              </a:tabLst>
-            </a:pPr>
-            <a:r>
-              <a:rPr lang="en-US" smtClean="0"/>
-              <a:t>Contoh: Modulus tarik	23</a:t>
-            </a:r>
-          </a:p>
-          <a:p>
-            <a:pPr>
-              <a:tabLst>
-                <a:tab pos="3657600" algn="r"/>
-              </a:tabLst>
-            </a:pPr>
-            <a:endParaRPr lang="en-US" smtClean="0"/>
-          </a:p>
-          <a:p>
-            <a:pPr>
-              <a:tabLst>
-                <a:tab pos="3657600" algn="r"/>
-              </a:tabLst>
-            </a:pPr>
-            <a:endParaRPr lang="en-US"/>
-          </a:p>
-        </p:txBody>
-      </p:sp>
-      <p:sp>
-        <p:nvSpPr>
-          <p:cNvPr id="10" name="Content Placeholder 9"/>
-          <p:cNvSpPr>
-            <a:spLocks noGrp="1"/>
-          </p:cNvSpPr>
-          <p:nvPr>
-            <p:ph sz="half" idx="2"/>
-          </p:nvPr>
-        </p:nvSpPr>
-        <p:spPr/>
-        <p:txBody>
-          <a:bodyPr/>
-          <a:lstStyle/>
-          <a:p>
-            <a:pPr>
-              <a:tabLst>
-                <a:tab pos="3657600" algn="r"/>
-              </a:tabLst>
-            </a:pPr>
-            <a:r>
-              <a:rPr lang="en-US" smtClean="0"/>
-              <a:t>Diskusi dan latihan	–4  </a:t>
-            </a:r>
-          </a:p>
-          <a:p>
-            <a:pPr>
-              <a:tabLst>
-                <a:tab pos="3657600" algn="r"/>
-              </a:tabLst>
-            </a:pPr>
-            <a:endParaRPr lang="en-US"/>
-          </a:p>
-        </p:txBody>
-      </p:sp>
-      <p:sp>
-        <p:nvSpPr>
-          <p:cNvPr id="5" name="Date Placeholder 4"/>
-          <p:cNvSpPr>
-            <a:spLocks noGrp="1"/>
-          </p:cNvSpPr>
-          <p:nvPr>
-            <p:ph type="dt" sz="half" idx="10"/>
-          </p:nvPr>
-        </p:nvSpPr>
-        <p:spPr/>
-        <p:txBody>
-          <a:bodyPr/>
-          <a:lstStyle/>
-          <a:p>
-            <a:pPr>
-              <a:defRPr/>
-            </a:pPr>
-            <a:r>
-              <a:rPr lang="en-US" smtClean="0"/>
-              <a:t>SK5003 Pemrograman dalam Sains</a:t>
-            </a:r>
-            <a:endParaRPr lang="en-US"/>
-          </a:p>
-        </p:txBody>
-      </p:sp>
-      <p:sp>
-        <p:nvSpPr>
-          <p:cNvPr id="6" name="Footer Placeholder 5"/>
-          <p:cNvSpPr>
-            <a:spLocks noGrp="1"/>
-          </p:cNvSpPr>
-          <p:nvPr>
-            <p:ph type="ftr" sz="quarter" idx="11"/>
-          </p:nvPr>
-        </p:nvSpPr>
-        <p:spPr/>
-        <p:txBody>
-          <a:bodyPr/>
-          <a:lstStyle/>
-          <a:p>
-            <a:pPr>
-              <a:defRPr/>
-            </a:pPr>
-            <a:r>
-              <a:rPr lang="en-US" smtClean="0"/>
-              <a:t>2023-05-13 | 40132 | +62</a:t>
-            </a:r>
-            <a:endParaRPr lang="en-US"/>
-          </a:p>
-        </p:txBody>
-      </p:sp>
-      <p:sp>
-        <p:nvSpPr>
-          <p:cNvPr id="7" name="Slide Number Placeholder 6"/>
-          <p:cNvSpPr>
-            <a:spLocks noGrp="1"/>
-          </p:cNvSpPr>
-          <p:nvPr>
-            <p:ph type="sldNum" sz="quarter" idx="12"/>
-          </p:nvPr>
-        </p:nvSpPr>
-        <p:spPr/>
-        <p:txBody>
-          <a:bodyPr/>
-          <a:lstStyle/>
-          <a:p>
-            <a:pPr>
-              <a:defRPr/>
-            </a:pPr>
-            <a:fld id="{2C282B95-DEC4-4DAB-B860-318CD0CDE358}" type="slidenum">
-              <a:rPr lang="en-US" smtClean="0"/>
-              <a:pPr>
-                <a:defRPr/>
-              </a:pPr>
-              <a:t>3</a:t>
-            </a:fld>
-            <a:endParaRPr lang="en-US"/>
-          </a:p>
-        </p:txBody>
-      </p:sp>
-    </p:spTree>
-  </p:cSld>
-  <p:clrMapOvr>
-    <a:masterClrMapping/>
-  </p:clrMapOvr>
-  <p:timing>
-    <p:tnLst>
-      <p:par>
-        <p:cTn id="1" dur="indefinite" restart="never" nodeType="tmRoot"/>
-      </p:par>
-    </p:tnLst>
-  </p:timing>
-</p:sld>
-</file>
-
-<file path=ppt/slides/slide30.xml><?xml version="1.0" encoding="utf-8"?>
-<p:sld xmlns:a="http://schemas.openxmlformats.org/drawingml/2006/main" xmlns:r="http://schemas.openxmlformats.org/officeDocument/2006/relationships" xmlns:p="http://schemas.openxmlformats.org/presentationml/2006/main">
-  <p:cSld>
-    <p:spTree>
-      <p:nvGrpSpPr>
-        <p:cNvPr id="1" name=""/>
-        <p:cNvGrpSpPr/>
-        <p:nvPr/>
-      </p:nvGrpSpPr>
-      <p:grpSpPr>
-        <a:xfrm>
-          <a:off x="0" y="0"/>
-          <a:ext cx="0" cy="0"/>
-          <a:chOff x="0" y="0"/>
-          <a:chExt cx="0" cy="0"/>
-        </a:xfrm>
-      </p:grpSpPr>
-      <p:sp>
-        <p:nvSpPr>
           <p:cNvPr id="2" name="Title 1"/>
           <p:cNvSpPr>
             <a:spLocks noGrp="1"/>
@@ -9459,7 +10960,7 @@
               <a:pPr>
                 <a:defRPr/>
               </a:pPr>
-              <a:t>30</a:t>
+              <a:t>36</a:t>
             </a:fld>
             <a:endParaRPr lang="en-US"/>
           </a:p>
@@ -9530,7 +11031,7 @@
 </p:sld>
 </file>
 
-<file path=ppt/slides/slide31.xml><?xml version="1.0" encoding="utf-8"?>
+<file path=ppt/slides/slide37.xml><?xml version="1.0" encoding="utf-8"?>
 <p:sld xmlns:a="http://schemas.openxmlformats.org/drawingml/2006/main" xmlns:r="http://schemas.openxmlformats.org/officeDocument/2006/relationships" xmlns:p="http://schemas.openxmlformats.org/presentationml/2006/main">
   <p:cSld>
     <p:spTree>
@@ -9680,7 +11181,7 @@
               <a:pPr>
                 <a:defRPr/>
               </a:pPr>
-              <a:t>31</a:t>
+              <a:t>37</a:t>
             </a:fld>
             <a:endParaRPr lang="en-US"/>
           </a:p>
@@ -9694,7 +11195,7 @@
 </p:sld>
 </file>
 
-<file path=ppt/slides/slide32.xml><?xml version="1.0" encoding="utf-8"?>
+<file path=ppt/slides/slide38.xml><?xml version="1.0" encoding="utf-8"?>
 <p:sld xmlns:a="http://schemas.openxmlformats.org/drawingml/2006/main" xmlns:r="http://schemas.openxmlformats.org/officeDocument/2006/relationships" xmlns:p="http://schemas.openxmlformats.org/presentationml/2006/main">
   <p:cSld>
     <p:spTree>
@@ -9794,7 +11295,7 @@
               <a:pPr>
                 <a:defRPr/>
               </a:pPr>
-              <a:t>32</a:t>
+              <a:t>38</a:t>
             </a:fld>
             <a:endParaRPr lang="en-US"/>
           </a:p>
@@ -10090,7 +11591,7 @@
             <p:ph idx="1"/>
             <p:extLst>
               <p:ext uri="{D42A27DB-BD31-4B8C-83A1-F6EECF244321}">
-                <p14:modId xmlns:p14="http://schemas.microsoft.com/office/powerpoint/2010/main" xmlns="" val="777739743"/>
+                <p14:modId xmlns="" xmlns:p14="http://schemas.microsoft.com/office/powerpoint/2010/main" val="777739743"/>
               </p:ext>
             </p:extLst>
           </p:nvPr>
@@ -10109,28 +11610,28 @@
                 <a:gridCol w="914400">
                   <a:extLst>
                     <a:ext uri="{9D8B030D-6E8A-4147-A177-3AD203B41FA5}">
-                      <a16:colId xmlns:a16="http://schemas.microsoft.com/office/drawing/2014/main" xmlns="" val="20000"/>
+                      <a16:colId xmlns="" xmlns:a16="http://schemas.microsoft.com/office/drawing/2014/main" val="20000"/>
                     </a:ext>
                   </a:extLst>
                 </a:gridCol>
                 <a:gridCol w="2133600">
                   <a:extLst>
                     <a:ext uri="{9D8B030D-6E8A-4147-A177-3AD203B41FA5}">
-                      <a16:colId xmlns:a16="http://schemas.microsoft.com/office/drawing/2014/main" xmlns="" val="20001"/>
+                      <a16:colId xmlns="" xmlns:a16="http://schemas.microsoft.com/office/drawing/2014/main" val="20001"/>
                     </a:ext>
                   </a:extLst>
                 </a:gridCol>
                 <a:gridCol w="2209800">
                   <a:extLst>
                     <a:ext uri="{9D8B030D-6E8A-4147-A177-3AD203B41FA5}">
-                      <a16:colId xmlns:a16="http://schemas.microsoft.com/office/drawing/2014/main" xmlns="" val="20002"/>
+                      <a16:colId xmlns="" xmlns:a16="http://schemas.microsoft.com/office/drawing/2014/main" val="20002"/>
                     </a:ext>
                   </a:extLst>
                 </a:gridCol>
                 <a:gridCol w="2971800">
                   <a:extLst>
                     <a:ext uri="{9D8B030D-6E8A-4147-A177-3AD203B41FA5}">
-                      <a16:colId xmlns:a16="http://schemas.microsoft.com/office/drawing/2014/main" xmlns="" val="20003"/>
+                      <a16:colId xmlns="" xmlns:a16="http://schemas.microsoft.com/office/drawing/2014/main" val="20003"/>
                     </a:ext>
                   </a:extLst>
                 </a:gridCol>
@@ -10191,7 +11692,7 @@
                 </a:tc>
                 <a:extLst>
                   <a:ext uri="{0D108BD9-81ED-4DB2-BD59-A6C34878D82A}">
-                    <a16:rowId xmlns:a16="http://schemas.microsoft.com/office/drawing/2014/main" xmlns="" val="10000"/>
+                    <a16:rowId xmlns="" xmlns:a16="http://schemas.microsoft.com/office/drawing/2014/main" val="10000"/>
                   </a:ext>
                 </a:extLst>
               </a:tr>
@@ -10269,7 +11770,7 @@
                 </a:tc>
                 <a:extLst>
                   <a:ext uri="{0D108BD9-81ED-4DB2-BD59-A6C34878D82A}">
-                    <a16:rowId xmlns:a16="http://schemas.microsoft.com/office/drawing/2014/main" xmlns="" val="10001"/>
+                    <a16:rowId xmlns="" xmlns:a16="http://schemas.microsoft.com/office/drawing/2014/main" val="10001"/>
                   </a:ext>
                 </a:extLst>
               </a:tr>
